--- a/jspstudy/JSP.pptx
+++ b/jspstudy/JSP.pptx
@@ -220,7 +220,7 @@
           <a:p>
             <a:fld id="{E150CED1-0BD3-437E-982C-E8005E10CB37}" type="datetimeFigureOut">
               <a:rPr lang="ko-KR" altLang="en-US" smtClean="0"/>
-              <a:t>2022-04-19</a:t>
+              <a:t>2022-04-20</a:t>
             </a:fld>
             <a:endParaRPr lang="ko-KR" altLang="en-US"/>
           </a:p>
@@ -10086,7 +10086,7 @@
                   <a:srgbClr val="7030A0"/>
                 </a:solidFill>
               </a:rPr>
-              <a:t>결과 받음</a:t>
+              <a:t>결과 반환</a:t>
             </a:r>
           </a:p>
         </p:txBody>
@@ -10252,7 +10252,7 @@
         <p:spPr>
           <a:xfrm>
             <a:off x="148938" y="116632"/>
-            <a:ext cx="1159292" cy="400110"/>
+            <a:ext cx="1153073" cy="400110"/>
           </a:xfrm>
           <a:prstGeom prst="rect">
             <a:avLst/>
@@ -10283,7 +10283,7 @@
                   </a:outerShdw>
                 </a:effectLst>
               </a:rPr>
-              <a:t>MyBatis</a:t>
+              <a:t>Mybatis</a:t>
             </a:r>
             <a:endParaRPr lang="ko-KR" altLang="en-US" sz="2000" b="1" dirty="0">
               <a:solidFill>
@@ -10535,6 +10535,13 @@
             <a:r>
               <a:rPr lang="en-US" altLang="ko-KR" sz="1400" dirty="0"/>
               <a:t>Mapper</a:t>
+            </a:r>
+          </a:p>
+          <a:p>
+            <a:pPr algn="ctr"/>
+            <a:r>
+              <a:rPr lang="en-US" altLang="ko-KR" sz="1400" dirty="0"/>
+              <a:t>(Query)</a:t>
             </a:r>
           </a:p>
         </p:txBody>
